--- a/Mise en place d’une application RESTful Spring Boot.pptx
+++ b/Mise en place d’une application RESTful Spring Boot.pptx
@@ -269,7 +269,7 @@
           <a:p>
             <a:fld id="{ADD7F33F-A7CB-4993-8A43-759D8D71DF0F}" type="datetimeFigureOut">
               <a:rPr lang="fr-BF" smtClean="0"/>
-              <a:t>02/09/2024</a:t>
+              <a:t>03/09/2024</a:t>
             </a:fld>
             <a:endParaRPr lang="fr-BF"/>
           </a:p>
@@ -469,7 +469,7 @@
           <a:p>
             <a:fld id="{ADD7F33F-A7CB-4993-8A43-759D8D71DF0F}" type="datetimeFigureOut">
               <a:rPr lang="fr-BF" smtClean="0"/>
-              <a:t>02/09/2024</a:t>
+              <a:t>03/09/2024</a:t>
             </a:fld>
             <a:endParaRPr lang="fr-BF"/>
           </a:p>
@@ -679,7 +679,7 @@
           <a:p>
             <a:fld id="{ADD7F33F-A7CB-4993-8A43-759D8D71DF0F}" type="datetimeFigureOut">
               <a:rPr lang="fr-BF" smtClean="0"/>
-              <a:t>02/09/2024</a:t>
+              <a:t>03/09/2024</a:t>
             </a:fld>
             <a:endParaRPr lang="fr-BF"/>
           </a:p>
@@ -879,7 +879,7 @@
           <a:p>
             <a:fld id="{ADD7F33F-A7CB-4993-8A43-759D8D71DF0F}" type="datetimeFigureOut">
               <a:rPr lang="fr-BF" smtClean="0"/>
-              <a:t>02/09/2024</a:t>
+              <a:t>03/09/2024</a:t>
             </a:fld>
             <a:endParaRPr lang="fr-BF"/>
           </a:p>
@@ -1155,7 +1155,7 @@
           <a:p>
             <a:fld id="{ADD7F33F-A7CB-4993-8A43-759D8D71DF0F}" type="datetimeFigureOut">
               <a:rPr lang="fr-BF" smtClean="0"/>
-              <a:t>02/09/2024</a:t>
+              <a:t>03/09/2024</a:t>
             </a:fld>
             <a:endParaRPr lang="fr-BF"/>
           </a:p>
@@ -1423,7 +1423,7 @@
           <a:p>
             <a:fld id="{ADD7F33F-A7CB-4993-8A43-759D8D71DF0F}" type="datetimeFigureOut">
               <a:rPr lang="fr-BF" smtClean="0"/>
-              <a:t>02/09/2024</a:t>
+              <a:t>03/09/2024</a:t>
             </a:fld>
             <a:endParaRPr lang="fr-BF"/>
           </a:p>
@@ -1838,7 +1838,7 @@
           <a:p>
             <a:fld id="{ADD7F33F-A7CB-4993-8A43-759D8D71DF0F}" type="datetimeFigureOut">
               <a:rPr lang="fr-BF" smtClean="0"/>
-              <a:t>02/09/2024</a:t>
+              <a:t>03/09/2024</a:t>
             </a:fld>
             <a:endParaRPr lang="fr-BF"/>
           </a:p>
@@ -1980,7 +1980,7 @@
           <a:p>
             <a:fld id="{ADD7F33F-A7CB-4993-8A43-759D8D71DF0F}" type="datetimeFigureOut">
               <a:rPr lang="fr-BF" smtClean="0"/>
-              <a:t>02/09/2024</a:t>
+              <a:t>03/09/2024</a:t>
             </a:fld>
             <a:endParaRPr lang="fr-BF"/>
           </a:p>
@@ -2093,7 +2093,7 @@
           <a:p>
             <a:fld id="{ADD7F33F-A7CB-4993-8A43-759D8D71DF0F}" type="datetimeFigureOut">
               <a:rPr lang="fr-BF" smtClean="0"/>
-              <a:t>02/09/2024</a:t>
+              <a:t>03/09/2024</a:t>
             </a:fld>
             <a:endParaRPr lang="fr-BF"/>
           </a:p>
@@ -2406,7 +2406,7 @@
           <a:p>
             <a:fld id="{ADD7F33F-A7CB-4993-8A43-759D8D71DF0F}" type="datetimeFigureOut">
               <a:rPr lang="fr-BF" smtClean="0"/>
-              <a:t>02/09/2024</a:t>
+              <a:t>03/09/2024</a:t>
             </a:fld>
             <a:endParaRPr lang="fr-BF"/>
           </a:p>
@@ -2695,7 +2695,7 @@
           <a:p>
             <a:fld id="{ADD7F33F-A7CB-4993-8A43-759D8D71DF0F}" type="datetimeFigureOut">
               <a:rPr lang="fr-BF" smtClean="0"/>
-              <a:t>02/09/2024</a:t>
+              <a:t>03/09/2024</a:t>
             </a:fld>
             <a:endParaRPr lang="fr-BF"/>
           </a:p>
@@ -2938,7 +2938,7 @@
           <a:p>
             <a:fld id="{ADD7F33F-A7CB-4993-8A43-759D8D71DF0F}" type="datetimeFigureOut">
               <a:rPr lang="fr-BF" smtClean="0"/>
-              <a:t>02/09/2024</a:t>
+              <a:t>03/09/2024</a:t>
             </a:fld>
             <a:endParaRPr lang="fr-BF"/>
           </a:p>
@@ -3383,7 +3383,21 @@
                 <a:latin typeface="Times New Roman" panose="02020603050405020304" pitchFamily="18" charset="0"/>
                 <a:cs typeface="Times New Roman" panose="02020603050405020304" pitchFamily="18" charset="0"/>
               </a:rPr>
-              <a:t>Mise en place d’une application RESTful Spring Boot et Talend  Open Studio</a:t>
+              <a:t>Mise en place d’une application RESTful Spring Boot , </a:t>
+            </a:r>
+            <a:r>
+              <a:rPr lang="fr-FR" sz="4800" dirty="0" err="1">
+                <a:latin typeface="Times New Roman" panose="02020603050405020304" pitchFamily="18" charset="0"/>
+                <a:cs typeface="Times New Roman" panose="02020603050405020304" pitchFamily="18" charset="0"/>
+              </a:rPr>
+              <a:t>MySql</a:t>
+            </a:r>
+            <a:r>
+              <a:rPr lang="fr-FR" sz="4800" dirty="0">
+                <a:latin typeface="Times New Roman" panose="02020603050405020304" pitchFamily="18" charset="0"/>
+                <a:cs typeface="Times New Roman" panose="02020603050405020304" pitchFamily="18" charset="0"/>
+              </a:rPr>
+              <a:t> et Talend  Open Studio</a:t>
             </a:r>
             <a:endParaRPr lang="fr-BF" sz="4800" dirty="0">
               <a:latin typeface="Times New Roman" panose="02020603050405020304" pitchFamily="18" charset="0"/>
@@ -4429,7 +4443,9 @@
         </p:nvSpPr>
         <p:spPr/>
         <p:txBody>
-          <a:bodyPr/>
+          <a:bodyPr>
+            <a:normAutofit fontScale="92500" lnSpcReduction="20000"/>
+          </a:bodyPr>
           <a:lstStyle/>
           <a:p>
             <a:r>
@@ -4479,7 +4495,7 @@
                 <a:latin typeface="Times New Roman" panose="02020603050405020304" pitchFamily="18" charset="0"/>
                 <a:cs typeface="Times New Roman" panose="02020603050405020304" pitchFamily="18" charset="0"/>
               </a:rPr>
-              <a:t> Récupération des données depuis la base de données de l'API.</a:t>
+              <a:t> Récupération des données depuis une ‘API en ligne https://fakestoreapi.com/products.</a:t>
             </a:r>
           </a:p>
           <a:p>
@@ -4570,12 +4586,14 @@
         </p:nvSpPr>
         <p:spPr/>
         <p:txBody>
-          <a:bodyPr/>
+          <a:bodyPr>
+            <a:normAutofit fontScale="92500" lnSpcReduction="20000"/>
+          </a:bodyPr>
           <a:lstStyle/>
           <a:p>
             <a:r>
               <a:rPr lang="fr-FR" dirty="0"/>
-              <a:t>Capture d’écran</a:t>
+              <a:t>Capture du job pour la récupération , le traitement et le chargement des produit de  l’api dans notre BD</a:t>
             </a:r>
             <a:endParaRPr lang="fr-BF" dirty="0"/>
           </a:p>
@@ -4583,10 +4601,10 @@
       </p:sp>
       <p:pic>
         <p:nvPicPr>
-          <p:cNvPr id="8" name="Espace réservé du contenu 7">
-            <a:extLst>
-              <a:ext uri="{FF2B5EF4-FFF2-40B4-BE49-F238E27FC236}">
-                <a16:creationId xmlns:a16="http://schemas.microsoft.com/office/drawing/2014/main" id="{FA4FF026-4C85-3C69-3385-D73C565999D3}"/>
+          <p:cNvPr id="12" name="Espace réservé du contenu 11">
+            <a:extLst>
+              <a:ext uri="{FF2B5EF4-FFF2-40B4-BE49-F238E27FC236}">
+                <a16:creationId xmlns:a16="http://schemas.microsoft.com/office/drawing/2014/main" id="{05DD7B60-0B6C-C136-F9BB-65CC749AC7AC}"/>
               </a:ext>
             </a:extLst>
           </p:cNvPr>
@@ -4611,8 +4629,8 @@
         </p:blipFill>
         <p:spPr>
           <a:xfrm>
-            <a:off x="6172200" y="2813539"/>
-            <a:ext cx="5183188" cy="2996418"/>
+            <a:off x="6172200" y="2658793"/>
+            <a:ext cx="5183188" cy="3319975"/>
           </a:xfrm>
         </p:spPr>
       </p:pic>
@@ -4736,37 +4754,125 @@
           <a:p>
             <a:r>
               <a:rPr lang="fr-FR" dirty="0"/>
-              <a:t>Endpoint sur Postman</a:t>
+              <a:t>Test du </a:t>
+            </a:r>
+            <a:r>
+              <a:rPr lang="fr-FR" dirty="0" err="1"/>
+              <a:t>endpoint</a:t>
+            </a:r>
+            <a:r>
+              <a:rPr lang="fr-FR" dirty="0"/>
+              <a:t> </a:t>
+            </a:r>
+            <a:r>
+              <a:rPr kumimoji="0" lang="fr-BF" altLang="fr-BF" sz="2400" b="0" i="0" u="none" strike="noStrike" cap="none" normalizeH="0" baseline="0" dirty="0">
+                <a:ln>
+                  <a:noFill/>
+                </a:ln>
+                <a:solidFill>
+                  <a:schemeClr val="tx1"/>
+                </a:solidFill>
+                <a:effectLst/>
+                <a:latin typeface="Times New Roman" panose="02020603050405020304" pitchFamily="18" charset="0"/>
+                <a:cs typeface="Times New Roman" panose="02020603050405020304" pitchFamily="18" charset="0"/>
+              </a:rPr>
+              <a:t>GET /</a:t>
+            </a:r>
+            <a:r>
+              <a:rPr kumimoji="0" lang="fr-BF" altLang="fr-BF" sz="2400" b="0" i="0" u="none" strike="noStrike" cap="none" normalizeH="0" baseline="0" dirty="0" err="1">
+                <a:ln>
+                  <a:noFill/>
+                </a:ln>
+                <a:solidFill>
+                  <a:schemeClr val="tx1"/>
+                </a:solidFill>
+                <a:effectLst/>
+                <a:latin typeface="Times New Roman" panose="02020603050405020304" pitchFamily="18" charset="0"/>
+                <a:cs typeface="Times New Roman" panose="02020603050405020304" pitchFamily="18" charset="0"/>
+              </a:rPr>
+              <a:t>products</a:t>
+            </a:r>
+            <a:r>
+              <a:rPr kumimoji="0" lang="fr-BF" altLang="fr-BF" sz="2400" b="0" i="0" u="none" strike="noStrike" cap="none" normalizeH="0" baseline="0" dirty="0">
+                <a:ln>
+                  <a:noFill/>
+                </a:ln>
+                <a:solidFill>
+                  <a:schemeClr val="tx1"/>
+                </a:solidFill>
+                <a:effectLst/>
+                <a:latin typeface="Times New Roman" panose="02020603050405020304" pitchFamily="18" charset="0"/>
+                <a:cs typeface="Times New Roman" panose="02020603050405020304" pitchFamily="18" charset="0"/>
+              </a:rPr>
+              <a:t> </a:t>
+            </a:r>
+            <a:r>
+              <a:rPr kumimoji="0" lang="fr-FR" altLang="fr-BF" sz="2400" b="0" i="0" u="none" strike="noStrike" cap="none" normalizeH="0" baseline="0" dirty="0">
+                <a:ln>
+                  <a:noFill/>
+                </a:ln>
+                <a:solidFill>
+                  <a:schemeClr val="tx1"/>
+                </a:solidFill>
+                <a:effectLst/>
+                <a:latin typeface="Times New Roman" panose="02020603050405020304" pitchFamily="18" charset="0"/>
+                <a:cs typeface="Times New Roman" panose="02020603050405020304" pitchFamily="18" charset="0"/>
+              </a:rPr>
+              <a:t> sur </a:t>
+            </a:r>
+            <a:r>
+              <a:rPr kumimoji="0" lang="fr-FR" altLang="fr-BF" sz="2400" b="0" i="0" u="none" strike="noStrike" cap="none" normalizeH="0" baseline="0" dirty="0" err="1">
+                <a:ln>
+                  <a:noFill/>
+                </a:ln>
+                <a:solidFill>
+                  <a:schemeClr val="tx1"/>
+                </a:solidFill>
+                <a:effectLst/>
+                <a:latin typeface="Times New Roman" panose="02020603050405020304" pitchFamily="18" charset="0"/>
+                <a:cs typeface="Times New Roman" panose="02020603050405020304" pitchFamily="18" charset="0"/>
+              </a:rPr>
+              <a:t>postman</a:t>
             </a:r>
             <a:endParaRPr lang="fr-BF" dirty="0"/>
           </a:p>
         </p:txBody>
       </p:sp>
-      <p:sp>
-        <p:nvSpPr>
-          <p:cNvPr id="6" name="Espace réservé du contenu 5">
-            <a:extLst>
-              <a:ext uri="{FF2B5EF4-FFF2-40B4-BE49-F238E27FC236}">
-                <a16:creationId xmlns:a16="http://schemas.microsoft.com/office/drawing/2014/main" id="{B90D8E3A-8EBF-5DAF-65EC-AF8A7E2B2F9B}"/>
-              </a:ext>
-            </a:extLst>
-          </p:cNvPr>
-          <p:cNvSpPr>
-            <a:spLocks noGrp="1"/>
-          </p:cNvSpPr>
+      <p:pic>
+        <p:nvPicPr>
+          <p:cNvPr id="8" name="Espace réservé du contenu 7">
+            <a:extLst>
+              <a:ext uri="{FF2B5EF4-FFF2-40B4-BE49-F238E27FC236}">
+                <a16:creationId xmlns:a16="http://schemas.microsoft.com/office/drawing/2014/main" id="{A1EFE1A6-8136-E324-E7CE-B7718AFF6D87}"/>
+              </a:ext>
+            </a:extLst>
+          </p:cNvPr>
+          <p:cNvPicPr>
+            <a:picLocks noGrp="1" noChangeAspect="1"/>
+          </p:cNvPicPr>
           <p:nvPr>
             <p:ph sz="quarter" idx="4"/>
           </p:nvPr>
-        </p:nvSpPr>
-        <p:spPr/>
-        <p:txBody>
-          <a:bodyPr/>
-          <a:lstStyle/>
-          <a:p>
-            <a:endParaRPr lang="fr-BF" dirty="0"/>
-          </a:p>
-        </p:txBody>
-      </p:sp>
+        </p:nvPicPr>
+        <p:blipFill>
+          <a:blip r:embed="rId2">
+            <a:extLst>
+              <a:ext uri="{28A0092B-C50C-407E-A947-70E740481C1C}">
+                <a14:useLocalDpi xmlns:a14="http://schemas.microsoft.com/office/drawing/2010/main" val="0"/>
+              </a:ext>
+            </a:extLst>
+          </a:blip>
+          <a:stretch>
+            <a:fillRect/>
+          </a:stretch>
+        </p:blipFill>
+        <p:spPr>
+          <a:xfrm>
+            <a:off x="6172200" y="3100900"/>
+            <a:ext cx="5183188" cy="2863802"/>
+          </a:xfrm>
+        </p:spPr>
+      </p:pic>
       <p:sp>
         <p:nvSpPr>
           <p:cNvPr id="7" name="Rectangle 1">
@@ -5830,37 +5936,53 @@
           <a:bodyPr/>
           <a:lstStyle/>
           <a:p>
-            <a:endParaRPr lang="fr-BF"/>
-          </a:p>
-        </p:txBody>
-      </p:sp>
-      <p:sp>
-        <p:nvSpPr>
-          <p:cNvPr id="6" name="Espace réservé du contenu 5">
-            <a:extLst>
-              <a:ext uri="{FF2B5EF4-FFF2-40B4-BE49-F238E27FC236}">
-                <a16:creationId xmlns:a16="http://schemas.microsoft.com/office/drawing/2014/main" id="{92B520F7-5E2B-230D-09CC-B40682D1E67A}"/>
-              </a:ext>
-            </a:extLst>
-          </p:cNvPr>
-          <p:cNvSpPr>
-            <a:spLocks noGrp="1"/>
-          </p:cNvSpPr>
+            <a:r>
+              <a:rPr lang="fr-FR" dirty="0"/>
+              <a:t>Capture de l’interface de </a:t>
+            </a:r>
+            <a:r>
+              <a:rPr lang="fr-FR" dirty="0" err="1"/>
+              <a:t>prometheus</a:t>
+            </a:r>
+            <a:endParaRPr lang="fr-FR" dirty="0"/>
+          </a:p>
+        </p:txBody>
+      </p:sp>
+      <p:pic>
+        <p:nvPicPr>
+          <p:cNvPr id="8" name="Espace réservé du contenu 7">
+            <a:extLst>
+              <a:ext uri="{FF2B5EF4-FFF2-40B4-BE49-F238E27FC236}">
+                <a16:creationId xmlns:a16="http://schemas.microsoft.com/office/drawing/2014/main" id="{F1E0FD0F-0394-5C5A-6A31-3795E7D6DC35}"/>
+              </a:ext>
+            </a:extLst>
+          </p:cNvPr>
+          <p:cNvPicPr>
+            <a:picLocks noGrp="1" noChangeAspect="1"/>
+          </p:cNvPicPr>
           <p:nvPr>
             <p:ph sz="quarter" idx="4"/>
           </p:nvPr>
-        </p:nvSpPr>
-        <p:spPr/>
-        <p:txBody>
-          <a:bodyPr>
-            <a:normAutofit fontScale="47500" lnSpcReduction="20000"/>
-          </a:bodyPr>
-          <a:lstStyle/>
-          <a:p>
-            <a:endParaRPr lang="fr-BF"/>
-          </a:p>
-        </p:txBody>
-      </p:sp>
+        </p:nvPicPr>
+        <p:blipFill>
+          <a:blip r:embed="rId2">
+            <a:extLst>
+              <a:ext uri="{28A0092B-C50C-407E-A947-70E740481C1C}">
+                <a14:useLocalDpi xmlns:a14="http://schemas.microsoft.com/office/drawing/2010/main" val="0"/>
+              </a:ext>
+            </a:extLst>
+          </a:blip>
+          <a:stretch>
+            <a:fillRect/>
+          </a:stretch>
+        </p:blipFill>
+        <p:spPr>
+          <a:xfrm>
+            <a:off x="6172200" y="2883877"/>
+            <a:ext cx="5183188" cy="3305785"/>
+          </a:xfrm>
+        </p:spPr>
+      </p:pic>
     </p:spTree>
     <p:extLst>
       <p:ext uri="{BB962C8B-B14F-4D97-AF65-F5344CB8AC3E}">

--- a/Mise en place d’une application RESTful Spring Boot.pptx
+++ b/Mise en place d’une application RESTful Spring Boot.pptx
@@ -269,7 +269,7 @@
           <a:p>
             <a:fld id="{ADD7F33F-A7CB-4993-8A43-759D8D71DF0F}" type="datetimeFigureOut">
               <a:rPr lang="fr-BF" smtClean="0"/>
-              <a:t>03/09/2024</a:t>
+              <a:t>14/09/2024</a:t>
             </a:fld>
             <a:endParaRPr lang="fr-BF"/>
           </a:p>
@@ -469,7 +469,7 @@
           <a:p>
             <a:fld id="{ADD7F33F-A7CB-4993-8A43-759D8D71DF0F}" type="datetimeFigureOut">
               <a:rPr lang="fr-BF" smtClean="0"/>
-              <a:t>03/09/2024</a:t>
+              <a:t>14/09/2024</a:t>
             </a:fld>
             <a:endParaRPr lang="fr-BF"/>
           </a:p>
@@ -679,7 +679,7 @@
           <a:p>
             <a:fld id="{ADD7F33F-A7CB-4993-8A43-759D8D71DF0F}" type="datetimeFigureOut">
               <a:rPr lang="fr-BF" smtClean="0"/>
-              <a:t>03/09/2024</a:t>
+              <a:t>14/09/2024</a:t>
             </a:fld>
             <a:endParaRPr lang="fr-BF"/>
           </a:p>
@@ -879,7 +879,7 @@
           <a:p>
             <a:fld id="{ADD7F33F-A7CB-4993-8A43-759D8D71DF0F}" type="datetimeFigureOut">
               <a:rPr lang="fr-BF" smtClean="0"/>
-              <a:t>03/09/2024</a:t>
+              <a:t>14/09/2024</a:t>
             </a:fld>
             <a:endParaRPr lang="fr-BF"/>
           </a:p>
@@ -1155,7 +1155,7 @@
           <a:p>
             <a:fld id="{ADD7F33F-A7CB-4993-8A43-759D8D71DF0F}" type="datetimeFigureOut">
               <a:rPr lang="fr-BF" smtClean="0"/>
-              <a:t>03/09/2024</a:t>
+              <a:t>14/09/2024</a:t>
             </a:fld>
             <a:endParaRPr lang="fr-BF"/>
           </a:p>
@@ -1423,7 +1423,7 @@
           <a:p>
             <a:fld id="{ADD7F33F-A7CB-4993-8A43-759D8D71DF0F}" type="datetimeFigureOut">
               <a:rPr lang="fr-BF" smtClean="0"/>
-              <a:t>03/09/2024</a:t>
+              <a:t>14/09/2024</a:t>
             </a:fld>
             <a:endParaRPr lang="fr-BF"/>
           </a:p>
@@ -1838,7 +1838,7 @@
           <a:p>
             <a:fld id="{ADD7F33F-A7CB-4993-8A43-759D8D71DF0F}" type="datetimeFigureOut">
               <a:rPr lang="fr-BF" smtClean="0"/>
-              <a:t>03/09/2024</a:t>
+              <a:t>14/09/2024</a:t>
             </a:fld>
             <a:endParaRPr lang="fr-BF"/>
           </a:p>
@@ -1980,7 +1980,7 @@
           <a:p>
             <a:fld id="{ADD7F33F-A7CB-4993-8A43-759D8D71DF0F}" type="datetimeFigureOut">
               <a:rPr lang="fr-BF" smtClean="0"/>
-              <a:t>03/09/2024</a:t>
+              <a:t>14/09/2024</a:t>
             </a:fld>
             <a:endParaRPr lang="fr-BF"/>
           </a:p>
@@ -2093,7 +2093,7 @@
           <a:p>
             <a:fld id="{ADD7F33F-A7CB-4993-8A43-759D8D71DF0F}" type="datetimeFigureOut">
               <a:rPr lang="fr-BF" smtClean="0"/>
-              <a:t>03/09/2024</a:t>
+              <a:t>14/09/2024</a:t>
             </a:fld>
             <a:endParaRPr lang="fr-BF"/>
           </a:p>
@@ -2406,7 +2406,7 @@
           <a:p>
             <a:fld id="{ADD7F33F-A7CB-4993-8A43-759D8D71DF0F}" type="datetimeFigureOut">
               <a:rPr lang="fr-BF" smtClean="0"/>
-              <a:t>03/09/2024</a:t>
+              <a:t>14/09/2024</a:t>
             </a:fld>
             <a:endParaRPr lang="fr-BF"/>
           </a:p>
@@ -2695,7 +2695,7 @@
           <a:p>
             <a:fld id="{ADD7F33F-A7CB-4993-8A43-759D8D71DF0F}" type="datetimeFigureOut">
               <a:rPr lang="fr-BF" smtClean="0"/>
-              <a:t>03/09/2024</a:t>
+              <a:t>14/09/2024</a:t>
             </a:fld>
             <a:endParaRPr lang="fr-BF"/>
           </a:p>
@@ -2938,7 +2938,7 @@
           <a:p>
             <a:fld id="{ADD7F33F-A7CB-4993-8A43-759D8D71DF0F}" type="datetimeFigureOut">
               <a:rPr lang="fr-BF" smtClean="0"/>
-              <a:t>03/09/2024</a:t>
+              <a:t>14/09/2024</a:t>
             </a:fld>
             <a:endParaRPr lang="fr-BF"/>
           </a:p>
@@ -3462,8 +3462,8 @@
         </p:nvSpPr>
         <p:spPr>
           <a:xfrm>
-            <a:off x="1524000" y="4453684"/>
-            <a:ext cx="9144000" cy="503797"/>
+            <a:off x="1523999" y="4453684"/>
+            <a:ext cx="9573087" cy="2089159"/>
           </a:xfrm>
           <a:prstGeom prst="rect">
             <a:avLst/>
@@ -3645,7 +3645,43 @@
               </a:rPr>
               <a:t>Groupe 4</a:t>
             </a:r>
-            <a:endParaRPr lang="fr-BF" b="1" dirty="0">
+          </a:p>
+          <a:p>
+            <a:r>
+              <a:rPr lang="fr-FR" sz="1100" b="1" dirty="0">
+                <a:latin typeface="Times New Roman" panose="02020603050405020304" pitchFamily="18" charset="0"/>
+                <a:cs typeface="Times New Roman" panose="02020603050405020304" pitchFamily="18" charset="0"/>
+              </a:rPr>
+              <a:t>TRAORE ISSOUF </a:t>
+            </a:r>
+          </a:p>
+          <a:p>
+            <a:r>
+              <a:rPr lang="fr-FR" sz="1100" b="1" dirty="0">
+                <a:latin typeface="Times New Roman" panose="02020603050405020304" pitchFamily="18" charset="0"/>
+                <a:cs typeface="Times New Roman" panose="02020603050405020304" pitchFamily="18" charset="0"/>
+              </a:rPr>
+              <a:t>OUEDRAOGO SOULEYMANE</a:t>
+            </a:r>
+          </a:p>
+          <a:p>
+            <a:r>
+              <a:rPr lang="fr-FR" sz="1100" b="1" dirty="0">
+                <a:latin typeface="Times New Roman" panose="02020603050405020304" pitchFamily="18" charset="0"/>
+                <a:cs typeface="Times New Roman" panose="02020603050405020304" pitchFamily="18" charset="0"/>
+              </a:rPr>
+              <a:t>OURDRAOGO ROCK</a:t>
+            </a:r>
+          </a:p>
+          <a:p>
+            <a:r>
+              <a:rPr lang="fr-FR" sz="1100" b="1" dirty="0">
+                <a:latin typeface="Times New Roman" panose="02020603050405020304" pitchFamily="18" charset="0"/>
+                <a:cs typeface="Times New Roman" panose="02020603050405020304" pitchFamily="18" charset="0"/>
+              </a:rPr>
+              <a:t>MILLOGO NOCOLAS</a:t>
+            </a:r>
+            <a:endParaRPr lang="fr-BF" sz="1100" b="1" dirty="0">
               <a:latin typeface="Times New Roman" panose="02020603050405020304" pitchFamily="18" charset="0"/>
               <a:cs typeface="Times New Roman" panose="02020603050405020304" pitchFamily="18" charset="0"/>
             </a:endParaRPr>
@@ -3668,8 +3704,8 @@
         </p:nvSpPr>
         <p:spPr>
           <a:xfrm>
-            <a:off x="4589929" y="5231840"/>
-            <a:ext cx="3012141" cy="503797"/>
+            <a:off x="4662343" y="6328232"/>
+            <a:ext cx="2867314" cy="529768"/>
           </a:xfrm>
           <a:prstGeom prst="rect">
             <a:avLst/>
